--- a/ppt/IndusAI01-Intro.pptx
+++ b/ppt/IndusAI01-Intro.pptx
@@ -7671,7 +7671,10 @@
           <a:bodyPr/>
           <a:lstStyle/>
           <a:p>
-            <a:endParaRPr lang="fr-FR"/>
+            <a:r>
+              <a:rPr lang="fr-FR" dirty="0"/>
+              <a:t> </a:t>
+            </a:r>
           </a:p>
         </p:txBody>
       </p:sp>
@@ -7826,15 +7829,7 @@
           <a:p>
             <a:r>
               <a:rPr lang="fr-FR" dirty="0"/>
-              <a:t>Moyens </a:t>
-            </a:r>
-            <a:r>
-              <a:rPr lang="fr-FR" dirty="0" err="1"/>
-              <a:t>financié</a:t>
-            </a:r>
-            <a:r>
-              <a:rPr lang="fr-FR" dirty="0"/>
-              <a:t> ++</a:t>
+              <a:t>Moyens financier ++</a:t>
             </a:r>
           </a:p>
           <a:p>
@@ -8823,7 +8818,7 @@
           <a:p>
             <a:r>
               <a:rPr lang="fr-FR" dirty="0"/>
-              <a:t>Directeur de Facebook AI</a:t>
+              <a:t>Ex-directeur de Facebook AI</a:t>
             </a:r>
           </a:p>
         </p:txBody>
